--- a/JavaScript/Week3/Week3.pptx
+++ b/JavaScript/Week3/Week3.pptx
@@ -276,7 +276,7 @@
           <a:p>
             <a:fld id="{F28A4246-F2A7-4220-A405-8A96DAE08D6A}" type="datetimeFigureOut">
               <a:rPr lang="en-US" smtClean="0"/>
-              <a:t>9/23/2024</a:t>
+              <a:t>1/15/25</a:t>
             </a:fld>
             <a:endParaRPr lang="en-US"/>
           </a:p>
@@ -446,7 +446,7 @@
           <a:p>
             <a:fld id="{F28A4246-F2A7-4220-A405-8A96DAE08D6A}" type="datetimeFigureOut">
               <a:rPr lang="en-US" smtClean="0"/>
-              <a:t>9/23/2024</a:t>
+              <a:t>1/15/25</a:t>
             </a:fld>
             <a:endParaRPr lang="en-US"/>
           </a:p>
@@ -626,7 +626,7 @@
           <a:p>
             <a:fld id="{F28A4246-F2A7-4220-A405-8A96DAE08D6A}" type="datetimeFigureOut">
               <a:rPr lang="en-US" smtClean="0"/>
-              <a:t>9/23/2024</a:t>
+              <a:t>1/15/25</a:t>
             </a:fld>
             <a:endParaRPr lang="en-US"/>
           </a:p>
@@ -796,7 +796,7 @@
           <a:p>
             <a:fld id="{F28A4246-F2A7-4220-A405-8A96DAE08D6A}" type="datetimeFigureOut">
               <a:rPr lang="en-US" smtClean="0"/>
-              <a:t>9/23/2024</a:t>
+              <a:t>1/15/25</a:t>
             </a:fld>
             <a:endParaRPr lang="en-US"/>
           </a:p>
@@ -1042,7 +1042,7 @@
           <a:p>
             <a:fld id="{F28A4246-F2A7-4220-A405-8A96DAE08D6A}" type="datetimeFigureOut">
               <a:rPr lang="en-US" smtClean="0"/>
-              <a:t>9/23/2024</a:t>
+              <a:t>1/15/25</a:t>
             </a:fld>
             <a:endParaRPr lang="en-US"/>
           </a:p>
@@ -1274,7 +1274,7 @@
           <a:p>
             <a:fld id="{F28A4246-F2A7-4220-A405-8A96DAE08D6A}" type="datetimeFigureOut">
               <a:rPr lang="en-US" smtClean="0"/>
-              <a:t>9/23/2024</a:t>
+              <a:t>1/15/25</a:t>
             </a:fld>
             <a:endParaRPr lang="en-US"/>
           </a:p>
@@ -1641,7 +1641,7 @@
           <a:p>
             <a:fld id="{F28A4246-F2A7-4220-A405-8A96DAE08D6A}" type="datetimeFigureOut">
               <a:rPr lang="en-US" smtClean="0"/>
-              <a:t>9/23/2024</a:t>
+              <a:t>1/15/25</a:t>
             </a:fld>
             <a:endParaRPr lang="en-US"/>
           </a:p>
@@ -1759,7 +1759,7 @@
           <a:p>
             <a:fld id="{F28A4246-F2A7-4220-A405-8A96DAE08D6A}" type="datetimeFigureOut">
               <a:rPr lang="en-US" smtClean="0"/>
-              <a:t>9/23/2024</a:t>
+              <a:t>1/15/25</a:t>
             </a:fld>
             <a:endParaRPr lang="en-US"/>
           </a:p>
@@ -1854,7 +1854,7 @@
           <a:p>
             <a:fld id="{F28A4246-F2A7-4220-A405-8A96DAE08D6A}" type="datetimeFigureOut">
               <a:rPr lang="en-US" smtClean="0"/>
-              <a:t>9/23/2024</a:t>
+              <a:t>1/15/25</a:t>
             </a:fld>
             <a:endParaRPr lang="en-US"/>
           </a:p>
@@ -2131,7 +2131,7 @@
           <a:p>
             <a:fld id="{F28A4246-F2A7-4220-A405-8A96DAE08D6A}" type="datetimeFigureOut">
               <a:rPr lang="en-US" smtClean="0"/>
-              <a:t>9/23/2024</a:t>
+              <a:t>1/15/25</a:t>
             </a:fld>
             <a:endParaRPr lang="en-US"/>
           </a:p>
@@ -2388,7 +2388,7 @@
           <a:p>
             <a:fld id="{F28A4246-F2A7-4220-A405-8A96DAE08D6A}" type="datetimeFigureOut">
               <a:rPr lang="en-US" smtClean="0"/>
-              <a:t>9/23/2024</a:t>
+              <a:t>1/15/25</a:t>
             </a:fld>
             <a:endParaRPr lang="en-US"/>
           </a:p>
@@ -2601,7 +2601,7 @@
           <a:p>
             <a:fld id="{F28A4246-F2A7-4220-A405-8A96DAE08D6A}" type="datetimeFigureOut">
               <a:rPr lang="en-US" smtClean="0"/>
-              <a:t>9/23/2024</a:t>
+              <a:t>1/15/25</a:t>
             </a:fld>
             <a:endParaRPr lang="en-US"/>
           </a:p>
